--- a/ppt 16-9/0251.客西马尼.pptx
+++ b/ppt 16-9/0251.客西马尼.pptx
@@ -129,7 +129,7 @@
           <p:cNvPr id="2" name="标题 1">
             <a:extLst>
               <a:ext uri="{FF2B5EF4-FFF2-40B4-BE49-F238E27FC236}">
-                <a16:creationId xmlns:a16="http://schemas.microsoft.com/office/drawing/2014/main" id="{5F34C261-DC02-707B-B3E7-22580D63015A}"/>
+                <a16:creationId xmlns:a16="http://schemas.microsoft.com/office/drawing/2014/main" id="{8A113AC5-C0A8-35B3-31FF-6C7A4BF1427A}"/>
               </a:ext>
             </a:extLst>
           </p:cNvPr>
@@ -166,7 +166,7 @@
           <p:cNvPr id="3" name="副标题 2">
             <a:extLst>
               <a:ext uri="{FF2B5EF4-FFF2-40B4-BE49-F238E27FC236}">
-                <a16:creationId xmlns:a16="http://schemas.microsoft.com/office/drawing/2014/main" id="{045C20E2-E2DC-8BFE-136E-02C97708DD13}"/>
+                <a16:creationId xmlns:a16="http://schemas.microsoft.com/office/drawing/2014/main" id="{12851971-6832-E221-71F6-5A9029D49EF4}"/>
               </a:ext>
             </a:extLst>
           </p:cNvPr>
@@ -236,7 +236,7 @@
           <p:cNvPr id="4" name="日期占位符 3">
             <a:extLst>
               <a:ext uri="{FF2B5EF4-FFF2-40B4-BE49-F238E27FC236}">
-                <a16:creationId xmlns:a16="http://schemas.microsoft.com/office/drawing/2014/main" id="{EA0CC1FC-91EF-407C-20A6-6FDECFBE597F}"/>
+                <a16:creationId xmlns:a16="http://schemas.microsoft.com/office/drawing/2014/main" id="{132A6401-3DB0-8FAF-D80D-C81551DF6C12}"/>
               </a:ext>
             </a:extLst>
           </p:cNvPr>
@@ -252,7 +252,7 @@
           <a:bodyPr/>
           <a:lstStyle/>
           <a:p>
-            <a:fld id="{F3B65784-5B8F-4EBF-967D-A5DE54C64165}" type="datetimeFigureOut">
+            <a:fld id="{9439CCCE-920A-4AC0-A30E-3AE46507E86D}" type="datetimeFigureOut">
               <a:rPr lang="zh-CN" altLang="en-US" smtClean="0"/>
               <a:t>2024/3/10</a:t>
             </a:fld>
@@ -265,7 +265,7 @@
           <p:cNvPr id="5" name="页脚占位符 4">
             <a:extLst>
               <a:ext uri="{FF2B5EF4-FFF2-40B4-BE49-F238E27FC236}">
-                <a16:creationId xmlns:a16="http://schemas.microsoft.com/office/drawing/2014/main" id="{DE4C5A72-65EF-78D7-FD6A-305FFEAEEC19}"/>
+                <a16:creationId xmlns:a16="http://schemas.microsoft.com/office/drawing/2014/main" id="{99A3D867-AC88-9605-1280-381686E47C5E}"/>
               </a:ext>
             </a:extLst>
           </p:cNvPr>
@@ -290,7 +290,7 @@
           <p:cNvPr id="6" name="灯片编号占位符 5">
             <a:extLst>
               <a:ext uri="{FF2B5EF4-FFF2-40B4-BE49-F238E27FC236}">
-                <a16:creationId xmlns:a16="http://schemas.microsoft.com/office/drawing/2014/main" id="{196E7B87-8FDC-F953-B92A-FB48A9F2D79A}"/>
+                <a16:creationId xmlns:a16="http://schemas.microsoft.com/office/drawing/2014/main" id="{EABCA6E6-7617-BC09-A4CC-CF2D7025E3E0}"/>
               </a:ext>
             </a:extLst>
           </p:cNvPr>
@@ -306,7 +306,7 @@
           <a:bodyPr/>
           <a:lstStyle/>
           <a:p>
-            <a:fld id="{D984EE0F-521D-47D2-A6CD-CEFF7344F114}" type="slidenum">
+            <a:fld id="{7D07B8DD-3D01-452E-9EC9-F03833B7DCE4}" type="slidenum">
               <a:rPr lang="zh-CN" altLang="en-US" smtClean="0"/>
               <a:t>‹#›</a:t>
             </a:fld>
@@ -317,7 +317,7 @@
     </p:spTree>
     <p:extLst>
       <p:ext uri="{BB962C8B-B14F-4D97-AF65-F5344CB8AC3E}">
-        <p14:creationId xmlns:p14="http://schemas.microsoft.com/office/powerpoint/2010/main" val="362587682"/>
+        <p14:creationId xmlns:p14="http://schemas.microsoft.com/office/powerpoint/2010/main" val="3415855046"/>
       </p:ext>
     </p:extLst>
   </p:cSld>
@@ -349,7 +349,7 @@
           <p:cNvPr id="2" name="标题 1">
             <a:extLst>
               <a:ext uri="{FF2B5EF4-FFF2-40B4-BE49-F238E27FC236}">
-                <a16:creationId xmlns:a16="http://schemas.microsoft.com/office/drawing/2014/main" id="{A8FE4D80-30A9-F033-BFDE-A20E4E3C0117}"/>
+                <a16:creationId xmlns:a16="http://schemas.microsoft.com/office/drawing/2014/main" id="{D8A15AA7-433A-4506-18D9-1AFDBBF3508E}"/>
               </a:ext>
             </a:extLst>
           </p:cNvPr>
@@ -377,7 +377,7 @@
           <p:cNvPr id="3" name="竖排文字占位符 2">
             <a:extLst>
               <a:ext uri="{FF2B5EF4-FFF2-40B4-BE49-F238E27FC236}">
-                <a16:creationId xmlns:a16="http://schemas.microsoft.com/office/drawing/2014/main" id="{A7CC72C2-A613-25B1-C313-BC08FF0070FF}"/>
+                <a16:creationId xmlns:a16="http://schemas.microsoft.com/office/drawing/2014/main" id="{22D2EDED-2DE0-16BF-7BC0-067FECFF7F15}"/>
               </a:ext>
             </a:extLst>
           </p:cNvPr>
@@ -434,7 +434,7 @@
           <p:cNvPr id="4" name="日期占位符 3">
             <a:extLst>
               <a:ext uri="{FF2B5EF4-FFF2-40B4-BE49-F238E27FC236}">
-                <a16:creationId xmlns:a16="http://schemas.microsoft.com/office/drawing/2014/main" id="{1CD99A18-80CB-81E3-6E43-5C2458B99D15}"/>
+                <a16:creationId xmlns:a16="http://schemas.microsoft.com/office/drawing/2014/main" id="{66A19E52-5260-E413-08EA-108A2A3175A7}"/>
               </a:ext>
             </a:extLst>
           </p:cNvPr>
@@ -450,7 +450,7 @@
           <a:bodyPr/>
           <a:lstStyle/>
           <a:p>
-            <a:fld id="{F3B65784-5B8F-4EBF-967D-A5DE54C64165}" type="datetimeFigureOut">
+            <a:fld id="{9439CCCE-920A-4AC0-A30E-3AE46507E86D}" type="datetimeFigureOut">
               <a:rPr lang="zh-CN" altLang="en-US" smtClean="0"/>
               <a:t>2024/3/10</a:t>
             </a:fld>
@@ -463,7 +463,7 @@
           <p:cNvPr id="5" name="页脚占位符 4">
             <a:extLst>
               <a:ext uri="{FF2B5EF4-FFF2-40B4-BE49-F238E27FC236}">
-                <a16:creationId xmlns:a16="http://schemas.microsoft.com/office/drawing/2014/main" id="{23A0A58B-C664-ED81-BFCA-8764A66D1B39}"/>
+                <a16:creationId xmlns:a16="http://schemas.microsoft.com/office/drawing/2014/main" id="{54E4C95A-411F-55C1-F0AE-3C3E22CA3B62}"/>
               </a:ext>
             </a:extLst>
           </p:cNvPr>
@@ -488,7 +488,7 @@
           <p:cNvPr id="6" name="灯片编号占位符 5">
             <a:extLst>
               <a:ext uri="{FF2B5EF4-FFF2-40B4-BE49-F238E27FC236}">
-                <a16:creationId xmlns:a16="http://schemas.microsoft.com/office/drawing/2014/main" id="{8E036177-75BB-F02E-6511-E5606C4E4153}"/>
+                <a16:creationId xmlns:a16="http://schemas.microsoft.com/office/drawing/2014/main" id="{08AD86A3-821E-366F-C331-19FDBDC163E6}"/>
               </a:ext>
             </a:extLst>
           </p:cNvPr>
@@ -504,7 +504,7 @@
           <a:bodyPr/>
           <a:lstStyle/>
           <a:p>
-            <a:fld id="{D984EE0F-521D-47D2-A6CD-CEFF7344F114}" type="slidenum">
+            <a:fld id="{7D07B8DD-3D01-452E-9EC9-F03833B7DCE4}" type="slidenum">
               <a:rPr lang="zh-CN" altLang="en-US" smtClean="0"/>
               <a:t>‹#›</a:t>
             </a:fld>
@@ -515,7 +515,7 @@
     </p:spTree>
     <p:extLst>
       <p:ext uri="{BB962C8B-B14F-4D97-AF65-F5344CB8AC3E}">
-        <p14:creationId xmlns:p14="http://schemas.microsoft.com/office/powerpoint/2010/main" val="342570141"/>
+        <p14:creationId xmlns:p14="http://schemas.microsoft.com/office/powerpoint/2010/main" val="3078340424"/>
       </p:ext>
     </p:extLst>
   </p:cSld>
@@ -547,7 +547,7 @@
           <p:cNvPr id="2" name="竖排标题 1">
             <a:extLst>
               <a:ext uri="{FF2B5EF4-FFF2-40B4-BE49-F238E27FC236}">
-                <a16:creationId xmlns:a16="http://schemas.microsoft.com/office/drawing/2014/main" id="{F735D24B-095C-280F-C2D0-7C6F2CE00C34}"/>
+                <a16:creationId xmlns:a16="http://schemas.microsoft.com/office/drawing/2014/main" id="{7539ABD5-54F5-737A-14A9-D8525F6E869C}"/>
               </a:ext>
             </a:extLst>
           </p:cNvPr>
@@ -580,7 +580,7 @@
           <p:cNvPr id="3" name="竖排文字占位符 2">
             <a:extLst>
               <a:ext uri="{FF2B5EF4-FFF2-40B4-BE49-F238E27FC236}">
-                <a16:creationId xmlns:a16="http://schemas.microsoft.com/office/drawing/2014/main" id="{815A3179-F316-2C01-4431-5931FF256628}"/>
+                <a16:creationId xmlns:a16="http://schemas.microsoft.com/office/drawing/2014/main" id="{4532D837-DD2E-08F3-9479-FC9F894E6511}"/>
               </a:ext>
             </a:extLst>
           </p:cNvPr>
@@ -642,7 +642,7 @@
           <p:cNvPr id="4" name="日期占位符 3">
             <a:extLst>
               <a:ext uri="{FF2B5EF4-FFF2-40B4-BE49-F238E27FC236}">
-                <a16:creationId xmlns:a16="http://schemas.microsoft.com/office/drawing/2014/main" id="{62AEA064-C47D-0107-684F-E41255AB7194}"/>
+                <a16:creationId xmlns:a16="http://schemas.microsoft.com/office/drawing/2014/main" id="{09B31816-866E-7D12-57E0-539C59422FC3}"/>
               </a:ext>
             </a:extLst>
           </p:cNvPr>
@@ -658,7 +658,7 @@
           <a:bodyPr/>
           <a:lstStyle/>
           <a:p>
-            <a:fld id="{F3B65784-5B8F-4EBF-967D-A5DE54C64165}" type="datetimeFigureOut">
+            <a:fld id="{9439CCCE-920A-4AC0-A30E-3AE46507E86D}" type="datetimeFigureOut">
               <a:rPr lang="zh-CN" altLang="en-US" smtClean="0"/>
               <a:t>2024/3/10</a:t>
             </a:fld>
@@ -671,7 +671,7 @@
           <p:cNvPr id="5" name="页脚占位符 4">
             <a:extLst>
               <a:ext uri="{FF2B5EF4-FFF2-40B4-BE49-F238E27FC236}">
-                <a16:creationId xmlns:a16="http://schemas.microsoft.com/office/drawing/2014/main" id="{DA3AF58D-540B-DAA7-1CFE-A801693BDE25}"/>
+                <a16:creationId xmlns:a16="http://schemas.microsoft.com/office/drawing/2014/main" id="{7E41D142-2F9E-BFB7-74AE-5131FAA784AB}"/>
               </a:ext>
             </a:extLst>
           </p:cNvPr>
@@ -696,7 +696,7 @@
           <p:cNvPr id="6" name="灯片编号占位符 5">
             <a:extLst>
               <a:ext uri="{FF2B5EF4-FFF2-40B4-BE49-F238E27FC236}">
-                <a16:creationId xmlns:a16="http://schemas.microsoft.com/office/drawing/2014/main" id="{5B3A77CC-7789-3511-1064-ABFB1F4F9203}"/>
+                <a16:creationId xmlns:a16="http://schemas.microsoft.com/office/drawing/2014/main" id="{C1F836DE-49F6-8265-573C-AD5A3DCF4E63}"/>
               </a:ext>
             </a:extLst>
           </p:cNvPr>
@@ -712,7 +712,7 @@
           <a:bodyPr/>
           <a:lstStyle/>
           <a:p>
-            <a:fld id="{D984EE0F-521D-47D2-A6CD-CEFF7344F114}" type="slidenum">
+            <a:fld id="{7D07B8DD-3D01-452E-9EC9-F03833B7DCE4}" type="slidenum">
               <a:rPr lang="zh-CN" altLang="en-US" smtClean="0"/>
               <a:t>‹#›</a:t>
             </a:fld>
@@ -723,7 +723,7 @@
     </p:spTree>
     <p:extLst>
       <p:ext uri="{BB962C8B-B14F-4D97-AF65-F5344CB8AC3E}">
-        <p14:creationId xmlns:p14="http://schemas.microsoft.com/office/powerpoint/2010/main" val="1240291756"/>
+        <p14:creationId xmlns:p14="http://schemas.microsoft.com/office/powerpoint/2010/main" val="1019440194"/>
       </p:ext>
     </p:extLst>
   </p:cSld>
@@ -755,7 +755,7 @@
           <p:cNvPr id="2" name="标题 1">
             <a:extLst>
               <a:ext uri="{FF2B5EF4-FFF2-40B4-BE49-F238E27FC236}">
-                <a16:creationId xmlns:a16="http://schemas.microsoft.com/office/drawing/2014/main" id="{36127E8B-4C37-C5F7-A7F7-2F19144F9A0A}"/>
+                <a16:creationId xmlns:a16="http://schemas.microsoft.com/office/drawing/2014/main" id="{B1DFB015-41DE-EF42-188B-0FE1C1AE738B}"/>
               </a:ext>
             </a:extLst>
           </p:cNvPr>
@@ -783,7 +783,7 @@
           <p:cNvPr id="3" name="内容占位符 2">
             <a:extLst>
               <a:ext uri="{FF2B5EF4-FFF2-40B4-BE49-F238E27FC236}">
-                <a16:creationId xmlns:a16="http://schemas.microsoft.com/office/drawing/2014/main" id="{02E875B4-A869-D8F7-8234-65D6E28E7D54}"/>
+                <a16:creationId xmlns:a16="http://schemas.microsoft.com/office/drawing/2014/main" id="{2446C2E2-4ADB-AC82-7CEC-865D1E50187D}"/>
               </a:ext>
             </a:extLst>
           </p:cNvPr>
@@ -840,7 +840,7 @@
           <p:cNvPr id="4" name="日期占位符 3">
             <a:extLst>
               <a:ext uri="{FF2B5EF4-FFF2-40B4-BE49-F238E27FC236}">
-                <a16:creationId xmlns:a16="http://schemas.microsoft.com/office/drawing/2014/main" id="{68D8D3E1-0872-8699-1BFB-BEA61BB6D931}"/>
+                <a16:creationId xmlns:a16="http://schemas.microsoft.com/office/drawing/2014/main" id="{B905D86E-61F0-05E5-99D3-C36D24AA7448}"/>
               </a:ext>
             </a:extLst>
           </p:cNvPr>
@@ -856,7 +856,7 @@
           <a:bodyPr/>
           <a:lstStyle/>
           <a:p>
-            <a:fld id="{F3B65784-5B8F-4EBF-967D-A5DE54C64165}" type="datetimeFigureOut">
+            <a:fld id="{9439CCCE-920A-4AC0-A30E-3AE46507E86D}" type="datetimeFigureOut">
               <a:rPr lang="zh-CN" altLang="en-US" smtClean="0"/>
               <a:t>2024/3/10</a:t>
             </a:fld>
@@ -869,7 +869,7 @@
           <p:cNvPr id="5" name="页脚占位符 4">
             <a:extLst>
               <a:ext uri="{FF2B5EF4-FFF2-40B4-BE49-F238E27FC236}">
-                <a16:creationId xmlns:a16="http://schemas.microsoft.com/office/drawing/2014/main" id="{EBA51D19-8A8F-5999-E9B2-6A52EC884B9B}"/>
+                <a16:creationId xmlns:a16="http://schemas.microsoft.com/office/drawing/2014/main" id="{BA39739D-FAB0-D227-7510-352F3D3C4917}"/>
               </a:ext>
             </a:extLst>
           </p:cNvPr>
@@ -894,7 +894,7 @@
           <p:cNvPr id="6" name="灯片编号占位符 5">
             <a:extLst>
               <a:ext uri="{FF2B5EF4-FFF2-40B4-BE49-F238E27FC236}">
-                <a16:creationId xmlns:a16="http://schemas.microsoft.com/office/drawing/2014/main" id="{538AADBC-9B76-DD92-FE97-170C6C383F69}"/>
+                <a16:creationId xmlns:a16="http://schemas.microsoft.com/office/drawing/2014/main" id="{4831DB9D-6215-A9B5-F02A-04A631DDA6B7}"/>
               </a:ext>
             </a:extLst>
           </p:cNvPr>
@@ -910,7 +910,7 @@
           <a:bodyPr/>
           <a:lstStyle/>
           <a:p>
-            <a:fld id="{D984EE0F-521D-47D2-A6CD-CEFF7344F114}" type="slidenum">
+            <a:fld id="{7D07B8DD-3D01-452E-9EC9-F03833B7DCE4}" type="slidenum">
               <a:rPr lang="zh-CN" altLang="en-US" smtClean="0"/>
               <a:t>‹#›</a:t>
             </a:fld>
@@ -921,7 +921,7 @@
     </p:spTree>
     <p:extLst>
       <p:ext uri="{BB962C8B-B14F-4D97-AF65-F5344CB8AC3E}">
-        <p14:creationId xmlns:p14="http://schemas.microsoft.com/office/powerpoint/2010/main" val="2711945603"/>
+        <p14:creationId xmlns:p14="http://schemas.microsoft.com/office/powerpoint/2010/main" val="1511418211"/>
       </p:ext>
     </p:extLst>
   </p:cSld>
@@ -953,7 +953,7 @@
           <p:cNvPr id="2" name="标题 1">
             <a:extLst>
               <a:ext uri="{FF2B5EF4-FFF2-40B4-BE49-F238E27FC236}">
-                <a16:creationId xmlns:a16="http://schemas.microsoft.com/office/drawing/2014/main" id="{62FE072E-A59F-DC7F-0240-B692488558DC}"/>
+                <a16:creationId xmlns:a16="http://schemas.microsoft.com/office/drawing/2014/main" id="{3673E328-4DEC-5F41-CF43-2E3AC70CBCB8}"/>
               </a:ext>
             </a:extLst>
           </p:cNvPr>
@@ -990,7 +990,7 @@
           <p:cNvPr id="3" name="文本占位符 2">
             <a:extLst>
               <a:ext uri="{FF2B5EF4-FFF2-40B4-BE49-F238E27FC236}">
-                <a16:creationId xmlns:a16="http://schemas.microsoft.com/office/drawing/2014/main" id="{2BAA1CE9-8107-95CA-67EE-AAB956B384C6}"/>
+                <a16:creationId xmlns:a16="http://schemas.microsoft.com/office/drawing/2014/main" id="{A82D0984-63A4-D3B3-8501-CF57EBAD21D7}"/>
               </a:ext>
             </a:extLst>
           </p:cNvPr>
@@ -1115,7 +1115,7 @@
           <p:cNvPr id="4" name="日期占位符 3">
             <a:extLst>
               <a:ext uri="{FF2B5EF4-FFF2-40B4-BE49-F238E27FC236}">
-                <a16:creationId xmlns:a16="http://schemas.microsoft.com/office/drawing/2014/main" id="{C92858F3-10F1-B1CB-0241-B09149B500B1}"/>
+                <a16:creationId xmlns:a16="http://schemas.microsoft.com/office/drawing/2014/main" id="{95E64F9D-5F22-6A53-BD75-CE57652EC5E6}"/>
               </a:ext>
             </a:extLst>
           </p:cNvPr>
@@ -1131,7 +1131,7 @@
           <a:bodyPr/>
           <a:lstStyle/>
           <a:p>
-            <a:fld id="{F3B65784-5B8F-4EBF-967D-A5DE54C64165}" type="datetimeFigureOut">
+            <a:fld id="{9439CCCE-920A-4AC0-A30E-3AE46507E86D}" type="datetimeFigureOut">
               <a:rPr lang="zh-CN" altLang="en-US" smtClean="0"/>
               <a:t>2024/3/10</a:t>
             </a:fld>
@@ -1144,7 +1144,7 @@
           <p:cNvPr id="5" name="页脚占位符 4">
             <a:extLst>
               <a:ext uri="{FF2B5EF4-FFF2-40B4-BE49-F238E27FC236}">
-                <a16:creationId xmlns:a16="http://schemas.microsoft.com/office/drawing/2014/main" id="{8B3D4FA5-4A32-E490-D3FC-D11171BB051C}"/>
+                <a16:creationId xmlns:a16="http://schemas.microsoft.com/office/drawing/2014/main" id="{F3246511-D536-471E-EECE-3B9489C9DCAE}"/>
               </a:ext>
             </a:extLst>
           </p:cNvPr>
@@ -1169,7 +1169,7 @@
           <p:cNvPr id="6" name="灯片编号占位符 5">
             <a:extLst>
               <a:ext uri="{FF2B5EF4-FFF2-40B4-BE49-F238E27FC236}">
-                <a16:creationId xmlns:a16="http://schemas.microsoft.com/office/drawing/2014/main" id="{987FA4C9-A535-0F8F-C6EE-F3429DCF5D3A}"/>
+                <a16:creationId xmlns:a16="http://schemas.microsoft.com/office/drawing/2014/main" id="{14D8EB38-9BF2-1C3D-6EBB-2E762DDD98BE}"/>
               </a:ext>
             </a:extLst>
           </p:cNvPr>
@@ -1185,7 +1185,7 @@
           <a:bodyPr/>
           <a:lstStyle/>
           <a:p>
-            <a:fld id="{D984EE0F-521D-47D2-A6CD-CEFF7344F114}" type="slidenum">
+            <a:fld id="{7D07B8DD-3D01-452E-9EC9-F03833B7DCE4}" type="slidenum">
               <a:rPr lang="zh-CN" altLang="en-US" smtClean="0"/>
               <a:t>‹#›</a:t>
             </a:fld>
@@ -1196,7 +1196,7 @@
     </p:spTree>
     <p:extLst>
       <p:ext uri="{BB962C8B-B14F-4D97-AF65-F5344CB8AC3E}">
-        <p14:creationId xmlns:p14="http://schemas.microsoft.com/office/powerpoint/2010/main" val="1339247835"/>
+        <p14:creationId xmlns:p14="http://schemas.microsoft.com/office/powerpoint/2010/main" val="1200434323"/>
       </p:ext>
     </p:extLst>
   </p:cSld>
@@ -1228,7 +1228,7 @@
           <p:cNvPr id="2" name="标题 1">
             <a:extLst>
               <a:ext uri="{FF2B5EF4-FFF2-40B4-BE49-F238E27FC236}">
-                <a16:creationId xmlns:a16="http://schemas.microsoft.com/office/drawing/2014/main" id="{6A0D480E-DA1F-93AE-FB1D-2103B6B6E3B5}"/>
+                <a16:creationId xmlns:a16="http://schemas.microsoft.com/office/drawing/2014/main" id="{F60607B1-7554-4AB0-B19D-002CB0802E6A}"/>
               </a:ext>
             </a:extLst>
           </p:cNvPr>
@@ -1256,7 +1256,7 @@
           <p:cNvPr id="3" name="内容占位符 2">
             <a:extLst>
               <a:ext uri="{FF2B5EF4-FFF2-40B4-BE49-F238E27FC236}">
-                <a16:creationId xmlns:a16="http://schemas.microsoft.com/office/drawing/2014/main" id="{275C3C9B-849B-7F18-D7A1-60A330CB2082}"/>
+                <a16:creationId xmlns:a16="http://schemas.microsoft.com/office/drawing/2014/main" id="{2439E04A-77FE-B25D-9E75-487E073403FE}"/>
               </a:ext>
             </a:extLst>
           </p:cNvPr>
@@ -1318,7 +1318,7 @@
           <p:cNvPr id="4" name="内容占位符 3">
             <a:extLst>
               <a:ext uri="{FF2B5EF4-FFF2-40B4-BE49-F238E27FC236}">
-                <a16:creationId xmlns:a16="http://schemas.microsoft.com/office/drawing/2014/main" id="{C661BB4B-E706-875B-F1A8-A80EC7282BE0}"/>
+                <a16:creationId xmlns:a16="http://schemas.microsoft.com/office/drawing/2014/main" id="{A0FEB1AB-EF79-82A9-93DF-4A2F775863A7}"/>
               </a:ext>
             </a:extLst>
           </p:cNvPr>
@@ -1380,7 +1380,7 @@
           <p:cNvPr id="5" name="日期占位符 4">
             <a:extLst>
               <a:ext uri="{FF2B5EF4-FFF2-40B4-BE49-F238E27FC236}">
-                <a16:creationId xmlns:a16="http://schemas.microsoft.com/office/drawing/2014/main" id="{4F779F76-4DEC-7C39-33AB-D21E6D1AA53E}"/>
+                <a16:creationId xmlns:a16="http://schemas.microsoft.com/office/drawing/2014/main" id="{5F5A150C-4047-390B-1560-6FA7F5977375}"/>
               </a:ext>
             </a:extLst>
           </p:cNvPr>
@@ -1396,7 +1396,7 @@
           <a:bodyPr/>
           <a:lstStyle/>
           <a:p>
-            <a:fld id="{F3B65784-5B8F-4EBF-967D-A5DE54C64165}" type="datetimeFigureOut">
+            <a:fld id="{9439CCCE-920A-4AC0-A30E-3AE46507E86D}" type="datetimeFigureOut">
               <a:rPr lang="zh-CN" altLang="en-US" smtClean="0"/>
               <a:t>2024/3/10</a:t>
             </a:fld>
@@ -1409,7 +1409,7 @@
           <p:cNvPr id="6" name="页脚占位符 5">
             <a:extLst>
               <a:ext uri="{FF2B5EF4-FFF2-40B4-BE49-F238E27FC236}">
-                <a16:creationId xmlns:a16="http://schemas.microsoft.com/office/drawing/2014/main" id="{01F4B73E-057F-C653-57DF-1691CA4ABF17}"/>
+                <a16:creationId xmlns:a16="http://schemas.microsoft.com/office/drawing/2014/main" id="{2E3B7413-197F-9048-E4B3-03DFC16433F0}"/>
               </a:ext>
             </a:extLst>
           </p:cNvPr>
@@ -1434,7 +1434,7 @@
           <p:cNvPr id="7" name="灯片编号占位符 6">
             <a:extLst>
               <a:ext uri="{FF2B5EF4-FFF2-40B4-BE49-F238E27FC236}">
-                <a16:creationId xmlns:a16="http://schemas.microsoft.com/office/drawing/2014/main" id="{3AA60C5F-DEFB-909F-6C81-F0B121BB291C}"/>
+                <a16:creationId xmlns:a16="http://schemas.microsoft.com/office/drawing/2014/main" id="{E03A4543-515C-97C9-D222-CD9F1C6B0EEF}"/>
               </a:ext>
             </a:extLst>
           </p:cNvPr>
@@ -1450,7 +1450,7 @@
           <a:bodyPr/>
           <a:lstStyle/>
           <a:p>
-            <a:fld id="{D984EE0F-521D-47D2-A6CD-CEFF7344F114}" type="slidenum">
+            <a:fld id="{7D07B8DD-3D01-452E-9EC9-F03833B7DCE4}" type="slidenum">
               <a:rPr lang="zh-CN" altLang="en-US" smtClean="0"/>
               <a:t>‹#›</a:t>
             </a:fld>
@@ -1461,7 +1461,7 @@
     </p:spTree>
     <p:extLst>
       <p:ext uri="{BB962C8B-B14F-4D97-AF65-F5344CB8AC3E}">
-        <p14:creationId xmlns:p14="http://schemas.microsoft.com/office/powerpoint/2010/main" val="359876597"/>
+        <p14:creationId xmlns:p14="http://schemas.microsoft.com/office/powerpoint/2010/main" val="3498823490"/>
       </p:ext>
     </p:extLst>
   </p:cSld>
@@ -1493,7 +1493,7 @@
           <p:cNvPr id="2" name="标题 1">
             <a:extLst>
               <a:ext uri="{FF2B5EF4-FFF2-40B4-BE49-F238E27FC236}">
-                <a16:creationId xmlns:a16="http://schemas.microsoft.com/office/drawing/2014/main" id="{877D5C01-B78C-9311-B213-7AD141CE1E34}"/>
+                <a16:creationId xmlns:a16="http://schemas.microsoft.com/office/drawing/2014/main" id="{DBC0B2AB-CF63-495D-21C3-EA7A0E6E2E5A}"/>
               </a:ext>
             </a:extLst>
           </p:cNvPr>
@@ -1526,7 +1526,7 @@
           <p:cNvPr id="3" name="文本占位符 2">
             <a:extLst>
               <a:ext uri="{FF2B5EF4-FFF2-40B4-BE49-F238E27FC236}">
-                <a16:creationId xmlns:a16="http://schemas.microsoft.com/office/drawing/2014/main" id="{28223E90-18C2-3A92-A6FD-DF73721F1F34}"/>
+                <a16:creationId xmlns:a16="http://schemas.microsoft.com/office/drawing/2014/main" id="{77F066A8-4780-C3A5-F960-33153583B4C0}"/>
               </a:ext>
             </a:extLst>
           </p:cNvPr>
@@ -1597,7 +1597,7 @@
           <p:cNvPr id="4" name="内容占位符 3">
             <a:extLst>
               <a:ext uri="{FF2B5EF4-FFF2-40B4-BE49-F238E27FC236}">
-                <a16:creationId xmlns:a16="http://schemas.microsoft.com/office/drawing/2014/main" id="{593E3603-EB54-CB36-ACDE-C34B3B1362AE}"/>
+                <a16:creationId xmlns:a16="http://schemas.microsoft.com/office/drawing/2014/main" id="{C291B5B0-75BC-70A8-91CE-3AE5C95F626E}"/>
               </a:ext>
             </a:extLst>
           </p:cNvPr>
@@ -1659,7 +1659,7 @@
           <p:cNvPr id="5" name="文本占位符 4">
             <a:extLst>
               <a:ext uri="{FF2B5EF4-FFF2-40B4-BE49-F238E27FC236}">
-                <a16:creationId xmlns:a16="http://schemas.microsoft.com/office/drawing/2014/main" id="{6B418BD8-E5C6-C003-A6F3-1A33FFCF768E}"/>
+                <a16:creationId xmlns:a16="http://schemas.microsoft.com/office/drawing/2014/main" id="{AD32E58D-F3FD-0BAF-BFE7-0248E8E84A44}"/>
               </a:ext>
             </a:extLst>
           </p:cNvPr>
@@ -1730,7 +1730,7 @@
           <p:cNvPr id="6" name="内容占位符 5">
             <a:extLst>
               <a:ext uri="{FF2B5EF4-FFF2-40B4-BE49-F238E27FC236}">
-                <a16:creationId xmlns:a16="http://schemas.microsoft.com/office/drawing/2014/main" id="{EB853171-630F-7227-6C16-31668C0433E6}"/>
+                <a16:creationId xmlns:a16="http://schemas.microsoft.com/office/drawing/2014/main" id="{C6F2352C-5A26-F6EA-DC54-59336A410077}"/>
               </a:ext>
             </a:extLst>
           </p:cNvPr>
@@ -1792,7 +1792,7 @@
           <p:cNvPr id="7" name="日期占位符 6">
             <a:extLst>
               <a:ext uri="{FF2B5EF4-FFF2-40B4-BE49-F238E27FC236}">
-                <a16:creationId xmlns:a16="http://schemas.microsoft.com/office/drawing/2014/main" id="{25F8BBE5-BA12-C720-ACBB-ABCA69F231C9}"/>
+                <a16:creationId xmlns:a16="http://schemas.microsoft.com/office/drawing/2014/main" id="{94DE10C8-C750-6FD5-CB61-99F41A58888C}"/>
               </a:ext>
             </a:extLst>
           </p:cNvPr>
@@ -1808,7 +1808,7 @@
           <a:bodyPr/>
           <a:lstStyle/>
           <a:p>
-            <a:fld id="{F3B65784-5B8F-4EBF-967D-A5DE54C64165}" type="datetimeFigureOut">
+            <a:fld id="{9439CCCE-920A-4AC0-A30E-3AE46507E86D}" type="datetimeFigureOut">
               <a:rPr lang="zh-CN" altLang="en-US" smtClean="0"/>
               <a:t>2024/3/10</a:t>
             </a:fld>
@@ -1821,7 +1821,7 @@
           <p:cNvPr id="8" name="页脚占位符 7">
             <a:extLst>
               <a:ext uri="{FF2B5EF4-FFF2-40B4-BE49-F238E27FC236}">
-                <a16:creationId xmlns:a16="http://schemas.microsoft.com/office/drawing/2014/main" id="{E9F81EEA-3ECA-351E-6366-1E5E9CBEA9E9}"/>
+                <a16:creationId xmlns:a16="http://schemas.microsoft.com/office/drawing/2014/main" id="{DA4DABBB-1598-4F1F-AD36-C5CB81B433FB}"/>
               </a:ext>
             </a:extLst>
           </p:cNvPr>
@@ -1846,7 +1846,7 @@
           <p:cNvPr id="9" name="灯片编号占位符 8">
             <a:extLst>
               <a:ext uri="{FF2B5EF4-FFF2-40B4-BE49-F238E27FC236}">
-                <a16:creationId xmlns:a16="http://schemas.microsoft.com/office/drawing/2014/main" id="{C61442B9-96B5-978E-5C5B-1ED91B20CA3D}"/>
+                <a16:creationId xmlns:a16="http://schemas.microsoft.com/office/drawing/2014/main" id="{A86F0455-92B3-D076-2CCA-1B76A054F4AF}"/>
               </a:ext>
             </a:extLst>
           </p:cNvPr>
@@ -1862,7 +1862,7 @@
           <a:bodyPr/>
           <a:lstStyle/>
           <a:p>
-            <a:fld id="{D984EE0F-521D-47D2-A6CD-CEFF7344F114}" type="slidenum">
+            <a:fld id="{7D07B8DD-3D01-452E-9EC9-F03833B7DCE4}" type="slidenum">
               <a:rPr lang="zh-CN" altLang="en-US" smtClean="0"/>
               <a:t>‹#›</a:t>
             </a:fld>
@@ -1873,7 +1873,7 @@
     </p:spTree>
     <p:extLst>
       <p:ext uri="{BB962C8B-B14F-4D97-AF65-F5344CB8AC3E}">
-        <p14:creationId xmlns:p14="http://schemas.microsoft.com/office/powerpoint/2010/main" val="1995798791"/>
+        <p14:creationId xmlns:p14="http://schemas.microsoft.com/office/powerpoint/2010/main" val="2129743094"/>
       </p:ext>
     </p:extLst>
   </p:cSld>
@@ -1905,7 +1905,7 @@
           <p:cNvPr id="2" name="标题 1">
             <a:extLst>
               <a:ext uri="{FF2B5EF4-FFF2-40B4-BE49-F238E27FC236}">
-                <a16:creationId xmlns:a16="http://schemas.microsoft.com/office/drawing/2014/main" id="{801F4C92-29AA-F9F6-2D7A-EAA50399CEB6}"/>
+                <a16:creationId xmlns:a16="http://schemas.microsoft.com/office/drawing/2014/main" id="{128619C9-6E1D-D4BF-1253-3E11C7A92BC0}"/>
               </a:ext>
             </a:extLst>
           </p:cNvPr>
@@ -1933,7 +1933,7 @@
           <p:cNvPr id="3" name="日期占位符 2">
             <a:extLst>
               <a:ext uri="{FF2B5EF4-FFF2-40B4-BE49-F238E27FC236}">
-                <a16:creationId xmlns:a16="http://schemas.microsoft.com/office/drawing/2014/main" id="{9866A950-FA6C-1726-F511-1915B44D244A}"/>
+                <a16:creationId xmlns:a16="http://schemas.microsoft.com/office/drawing/2014/main" id="{08669985-0876-CBF3-796C-3C5F078F68EB}"/>
               </a:ext>
             </a:extLst>
           </p:cNvPr>
@@ -1949,7 +1949,7 @@
           <a:bodyPr/>
           <a:lstStyle/>
           <a:p>
-            <a:fld id="{F3B65784-5B8F-4EBF-967D-A5DE54C64165}" type="datetimeFigureOut">
+            <a:fld id="{9439CCCE-920A-4AC0-A30E-3AE46507E86D}" type="datetimeFigureOut">
               <a:rPr lang="zh-CN" altLang="en-US" smtClean="0"/>
               <a:t>2024/3/10</a:t>
             </a:fld>
@@ -1962,7 +1962,7 @@
           <p:cNvPr id="4" name="页脚占位符 3">
             <a:extLst>
               <a:ext uri="{FF2B5EF4-FFF2-40B4-BE49-F238E27FC236}">
-                <a16:creationId xmlns:a16="http://schemas.microsoft.com/office/drawing/2014/main" id="{D3533878-C50E-E82D-1956-457E8665565C}"/>
+                <a16:creationId xmlns:a16="http://schemas.microsoft.com/office/drawing/2014/main" id="{71528A1B-0749-DE4E-B7E0-B1562EF24234}"/>
               </a:ext>
             </a:extLst>
           </p:cNvPr>
@@ -1987,7 +1987,7 @@
           <p:cNvPr id="5" name="灯片编号占位符 4">
             <a:extLst>
               <a:ext uri="{FF2B5EF4-FFF2-40B4-BE49-F238E27FC236}">
-                <a16:creationId xmlns:a16="http://schemas.microsoft.com/office/drawing/2014/main" id="{0459788F-7899-45AB-16C5-94A7C15DE81E}"/>
+                <a16:creationId xmlns:a16="http://schemas.microsoft.com/office/drawing/2014/main" id="{9BB9D0A6-29E3-38A7-67E5-0AAB8E72A35D}"/>
               </a:ext>
             </a:extLst>
           </p:cNvPr>
@@ -2003,7 +2003,7 @@
           <a:bodyPr/>
           <a:lstStyle/>
           <a:p>
-            <a:fld id="{D984EE0F-521D-47D2-A6CD-CEFF7344F114}" type="slidenum">
+            <a:fld id="{7D07B8DD-3D01-452E-9EC9-F03833B7DCE4}" type="slidenum">
               <a:rPr lang="zh-CN" altLang="en-US" smtClean="0"/>
               <a:t>‹#›</a:t>
             </a:fld>
@@ -2014,7 +2014,7 @@
     </p:spTree>
     <p:extLst>
       <p:ext uri="{BB962C8B-B14F-4D97-AF65-F5344CB8AC3E}">
-        <p14:creationId xmlns:p14="http://schemas.microsoft.com/office/powerpoint/2010/main" val="2611340734"/>
+        <p14:creationId xmlns:p14="http://schemas.microsoft.com/office/powerpoint/2010/main" val="417272367"/>
       </p:ext>
     </p:extLst>
   </p:cSld>
@@ -2046,7 +2046,7 @@
           <p:cNvPr id="2" name="日期占位符 1">
             <a:extLst>
               <a:ext uri="{FF2B5EF4-FFF2-40B4-BE49-F238E27FC236}">
-                <a16:creationId xmlns:a16="http://schemas.microsoft.com/office/drawing/2014/main" id="{83E3B5FC-B2E1-8081-159E-8C09A594A6D8}"/>
+                <a16:creationId xmlns:a16="http://schemas.microsoft.com/office/drawing/2014/main" id="{C2C15555-310D-DFE3-DBF0-E68745BE4B9D}"/>
               </a:ext>
             </a:extLst>
           </p:cNvPr>
@@ -2062,7 +2062,7 @@
           <a:bodyPr/>
           <a:lstStyle/>
           <a:p>
-            <a:fld id="{F3B65784-5B8F-4EBF-967D-A5DE54C64165}" type="datetimeFigureOut">
+            <a:fld id="{9439CCCE-920A-4AC0-A30E-3AE46507E86D}" type="datetimeFigureOut">
               <a:rPr lang="zh-CN" altLang="en-US" smtClean="0"/>
               <a:t>2024/3/10</a:t>
             </a:fld>
@@ -2075,7 +2075,7 @@
           <p:cNvPr id="3" name="页脚占位符 2">
             <a:extLst>
               <a:ext uri="{FF2B5EF4-FFF2-40B4-BE49-F238E27FC236}">
-                <a16:creationId xmlns:a16="http://schemas.microsoft.com/office/drawing/2014/main" id="{072F63A6-5A3A-4937-C9CE-C89A535BC61D}"/>
+                <a16:creationId xmlns:a16="http://schemas.microsoft.com/office/drawing/2014/main" id="{9BB85889-B162-202F-5D34-75F28199997B}"/>
               </a:ext>
             </a:extLst>
           </p:cNvPr>
@@ -2100,7 +2100,7 @@
           <p:cNvPr id="4" name="灯片编号占位符 3">
             <a:extLst>
               <a:ext uri="{FF2B5EF4-FFF2-40B4-BE49-F238E27FC236}">
-                <a16:creationId xmlns:a16="http://schemas.microsoft.com/office/drawing/2014/main" id="{DD31ED13-8E14-7A28-8F27-4676440771B7}"/>
+                <a16:creationId xmlns:a16="http://schemas.microsoft.com/office/drawing/2014/main" id="{0F243D87-0E28-2AFC-5993-74EDB7E19EFB}"/>
               </a:ext>
             </a:extLst>
           </p:cNvPr>
@@ -2116,7 +2116,7 @@
           <a:bodyPr/>
           <a:lstStyle/>
           <a:p>
-            <a:fld id="{D984EE0F-521D-47D2-A6CD-CEFF7344F114}" type="slidenum">
+            <a:fld id="{7D07B8DD-3D01-452E-9EC9-F03833B7DCE4}" type="slidenum">
               <a:rPr lang="zh-CN" altLang="en-US" smtClean="0"/>
               <a:t>‹#›</a:t>
             </a:fld>
@@ -2127,7 +2127,7 @@
     </p:spTree>
     <p:extLst>
       <p:ext uri="{BB962C8B-B14F-4D97-AF65-F5344CB8AC3E}">
-        <p14:creationId xmlns:p14="http://schemas.microsoft.com/office/powerpoint/2010/main" val="3069652267"/>
+        <p14:creationId xmlns:p14="http://schemas.microsoft.com/office/powerpoint/2010/main" val="3602922890"/>
       </p:ext>
     </p:extLst>
   </p:cSld>
@@ -2159,7 +2159,7 @@
           <p:cNvPr id="2" name="标题 1">
             <a:extLst>
               <a:ext uri="{FF2B5EF4-FFF2-40B4-BE49-F238E27FC236}">
-                <a16:creationId xmlns:a16="http://schemas.microsoft.com/office/drawing/2014/main" id="{9401DC3D-FC4E-C5C5-E152-4F587CD81986}"/>
+                <a16:creationId xmlns:a16="http://schemas.microsoft.com/office/drawing/2014/main" id="{19104196-A98C-C7DF-D177-A75D3C89855B}"/>
               </a:ext>
             </a:extLst>
           </p:cNvPr>
@@ -2196,7 +2196,7 @@
           <p:cNvPr id="3" name="内容占位符 2">
             <a:extLst>
               <a:ext uri="{FF2B5EF4-FFF2-40B4-BE49-F238E27FC236}">
-                <a16:creationId xmlns:a16="http://schemas.microsoft.com/office/drawing/2014/main" id="{AB3E09BA-90E3-D82B-CCC8-301806BE1621}"/>
+                <a16:creationId xmlns:a16="http://schemas.microsoft.com/office/drawing/2014/main" id="{49635685-7C51-5269-632B-9B0E09085E45}"/>
               </a:ext>
             </a:extLst>
           </p:cNvPr>
@@ -2286,7 +2286,7 @@
           <p:cNvPr id="4" name="文本占位符 3">
             <a:extLst>
               <a:ext uri="{FF2B5EF4-FFF2-40B4-BE49-F238E27FC236}">
-                <a16:creationId xmlns:a16="http://schemas.microsoft.com/office/drawing/2014/main" id="{6AC47F14-61DF-3EFF-C8EA-7827F92B557C}"/>
+                <a16:creationId xmlns:a16="http://schemas.microsoft.com/office/drawing/2014/main" id="{8B0E7250-A2CF-5231-C8D4-710028BCD747}"/>
               </a:ext>
             </a:extLst>
           </p:cNvPr>
@@ -2357,7 +2357,7 @@
           <p:cNvPr id="5" name="日期占位符 4">
             <a:extLst>
               <a:ext uri="{FF2B5EF4-FFF2-40B4-BE49-F238E27FC236}">
-                <a16:creationId xmlns:a16="http://schemas.microsoft.com/office/drawing/2014/main" id="{B4AB4405-9F52-7DFC-62B2-63B481F31ADB}"/>
+                <a16:creationId xmlns:a16="http://schemas.microsoft.com/office/drawing/2014/main" id="{8E7BDBB4-A619-FF9A-F0A9-70913EDFDC1C}"/>
               </a:ext>
             </a:extLst>
           </p:cNvPr>
@@ -2373,7 +2373,7 @@
           <a:bodyPr/>
           <a:lstStyle/>
           <a:p>
-            <a:fld id="{F3B65784-5B8F-4EBF-967D-A5DE54C64165}" type="datetimeFigureOut">
+            <a:fld id="{9439CCCE-920A-4AC0-A30E-3AE46507E86D}" type="datetimeFigureOut">
               <a:rPr lang="zh-CN" altLang="en-US" smtClean="0"/>
               <a:t>2024/3/10</a:t>
             </a:fld>
@@ -2386,7 +2386,7 @@
           <p:cNvPr id="6" name="页脚占位符 5">
             <a:extLst>
               <a:ext uri="{FF2B5EF4-FFF2-40B4-BE49-F238E27FC236}">
-                <a16:creationId xmlns:a16="http://schemas.microsoft.com/office/drawing/2014/main" id="{8412B58B-71B0-046A-5035-152007C9E403}"/>
+                <a16:creationId xmlns:a16="http://schemas.microsoft.com/office/drawing/2014/main" id="{3CD6A8E6-09A2-3754-EA14-77EC30E20CE0}"/>
               </a:ext>
             </a:extLst>
           </p:cNvPr>
@@ -2411,7 +2411,7 @@
           <p:cNvPr id="7" name="灯片编号占位符 6">
             <a:extLst>
               <a:ext uri="{FF2B5EF4-FFF2-40B4-BE49-F238E27FC236}">
-                <a16:creationId xmlns:a16="http://schemas.microsoft.com/office/drawing/2014/main" id="{470846F6-61A1-FC73-6884-F2DDAC512EBD}"/>
+                <a16:creationId xmlns:a16="http://schemas.microsoft.com/office/drawing/2014/main" id="{F3D349FF-E2E8-9B37-F26D-A8CB84801FD4}"/>
               </a:ext>
             </a:extLst>
           </p:cNvPr>
@@ -2427,7 +2427,7 @@
           <a:bodyPr/>
           <a:lstStyle/>
           <a:p>
-            <a:fld id="{D984EE0F-521D-47D2-A6CD-CEFF7344F114}" type="slidenum">
+            <a:fld id="{7D07B8DD-3D01-452E-9EC9-F03833B7DCE4}" type="slidenum">
               <a:rPr lang="zh-CN" altLang="en-US" smtClean="0"/>
               <a:t>‹#›</a:t>
             </a:fld>
@@ -2438,7 +2438,7 @@
     </p:spTree>
     <p:extLst>
       <p:ext uri="{BB962C8B-B14F-4D97-AF65-F5344CB8AC3E}">
-        <p14:creationId xmlns:p14="http://schemas.microsoft.com/office/powerpoint/2010/main" val="1702249694"/>
+        <p14:creationId xmlns:p14="http://schemas.microsoft.com/office/powerpoint/2010/main" val="720227200"/>
       </p:ext>
     </p:extLst>
   </p:cSld>
@@ -2470,7 +2470,7 @@
           <p:cNvPr id="2" name="标题 1">
             <a:extLst>
               <a:ext uri="{FF2B5EF4-FFF2-40B4-BE49-F238E27FC236}">
-                <a16:creationId xmlns:a16="http://schemas.microsoft.com/office/drawing/2014/main" id="{1EA4A4D6-87A0-A466-935F-DC3173EB4875}"/>
+                <a16:creationId xmlns:a16="http://schemas.microsoft.com/office/drawing/2014/main" id="{269CFC8F-C2A8-7CCA-9DB6-35DB99FC579E}"/>
               </a:ext>
             </a:extLst>
           </p:cNvPr>
@@ -2507,7 +2507,7 @@
           <p:cNvPr id="3" name="图片占位符 2">
             <a:extLst>
               <a:ext uri="{FF2B5EF4-FFF2-40B4-BE49-F238E27FC236}">
-                <a16:creationId xmlns:a16="http://schemas.microsoft.com/office/drawing/2014/main" id="{9DE02C8E-B94D-889D-49DD-3107197503FB}"/>
+                <a16:creationId xmlns:a16="http://schemas.microsoft.com/office/drawing/2014/main" id="{43841BD8-8A27-A38F-5D9B-41B0B24DB94E}"/>
               </a:ext>
             </a:extLst>
           </p:cNvPr>
@@ -2574,7 +2574,7 @@
           <p:cNvPr id="4" name="文本占位符 3">
             <a:extLst>
               <a:ext uri="{FF2B5EF4-FFF2-40B4-BE49-F238E27FC236}">
-                <a16:creationId xmlns:a16="http://schemas.microsoft.com/office/drawing/2014/main" id="{0992BAFB-B433-F09A-FBC6-57A08D5D9A63}"/>
+                <a16:creationId xmlns:a16="http://schemas.microsoft.com/office/drawing/2014/main" id="{B94095D6-1CC5-9C9A-97B5-2BF8627535CE}"/>
               </a:ext>
             </a:extLst>
           </p:cNvPr>
@@ -2645,7 +2645,7 @@
           <p:cNvPr id="5" name="日期占位符 4">
             <a:extLst>
               <a:ext uri="{FF2B5EF4-FFF2-40B4-BE49-F238E27FC236}">
-                <a16:creationId xmlns:a16="http://schemas.microsoft.com/office/drawing/2014/main" id="{B97C0188-4112-421E-478C-655E35C3E77B}"/>
+                <a16:creationId xmlns:a16="http://schemas.microsoft.com/office/drawing/2014/main" id="{49150F10-99C6-C012-4881-AC676921484F}"/>
               </a:ext>
             </a:extLst>
           </p:cNvPr>
@@ -2661,7 +2661,7 @@
           <a:bodyPr/>
           <a:lstStyle/>
           <a:p>
-            <a:fld id="{F3B65784-5B8F-4EBF-967D-A5DE54C64165}" type="datetimeFigureOut">
+            <a:fld id="{9439CCCE-920A-4AC0-A30E-3AE46507E86D}" type="datetimeFigureOut">
               <a:rPr lang="zh-CN" altLang="en-US" smtClean="0"/>
               <a:t>2024/3/10</a:t>
             </a:fld>
@@ -2674,7 +2674,7 @@
           <p:cNvPr id="6" name="页脚占位符 5">
             <a:extLst>
               <a:ext uri="{FF2B5EF4-FFF2-40B4-BE49-F238E27FC236}">
-                <a16:creationId xmlns:a16="http://schemas.microsoft.com/office/drawing/2014/main" id="{82444213-F6D1-8C59-C732-C3C7C48CFCDA}"/>
+                <a16:creationId xmlns:a16="http://schemas.microsoft.com/office/drawing/2014/main" id="{6D322AD2-F14E-82F9-684E-8EC463C59A75}"/>
               </a:ext>
             </a:extLst>
           </p:cNvPr>
@@ -2699,7 +2699,7 @@
           <p:cNvPr id="7" name="灯片编号占位符 6">
             <a:extLst>
               <a:ext uri="{FF2B5EF4-FFF2-40B4-BE49-F238E27FC236}">
-                <a16:creationId xmlns:a16="http://schemas.microsoft.com/office/drawing/2014/main" id="{D66E7110-4546-494B-7495-51A30D7EFA46}"/>
+                <a16:creationId xmlns:a16="http://schemas.microsoft.com/office/drawing/2014/main" id="{AE310C83-AE09-F041-4FBB-AEE172437AF7}"/>
               </a:ext>
             </a:extLst>
           </p:cNvPr>
@@ -2715,7 +2715,7 @@
           <a:bodyPr/>
           <a:lstStyle/>
           <a:p>
-            <a:fld id="{D984EE0F-521D-47D2-A6CD-CEFF7344F114}" type="slidenum">
+            <a:fld id="{7D07B8DD-3D01-452E-9EC9-F03833B7DCE4}" type="slidenum">
               <a:rPr lang="zh-CN" altLang="en-US" smtClean="0"/>
               <a:t>‹#›</a:t>
             </a:fld>
@@ -2726,7 +2726,7 @@
     </p:spTree>
     <p:extLst>
       <p:ext uri="{BB962C8B-B14F-4D97-AF65-F5344CB8AC3E}">
-        <p14:creationId xmlns:p14="http://schemas.microsoft.com/office/powerpoint/2010/main" val="2786982794"/>
+        <p14:creationId xmlns:p14="http://schemas.microsoft.com/office/powerpoint/2010/main" val="2347877087"/>
       </p:ext>
     </p:extLst>
   </p:cSld>
@@ -2763,7 +2763,7 @@
           <p:cNvPr id="2" name="标题占位符 1">
             <a:extLst>
               <a:ext uri="{FF2B5EF4-FFF2-40B4-BE49-F238E27FC236}">
-                <a16:creationId xmlns:a16="http://schemas.microsoft.com/office/drawing/2014/main" id="{BEA0078B-A656-0DFF-7E1B-80C4BC49FAA2}"/>
+                <a16:creationId xmlns:a16="http://schemas.microsoft.com/office/drawing/2014/main" id="{FCEBA9C0-9FC2-DB31-A534-99374AEBEA7A}"/>
               </a:ext>
             </a:extLst>
           </p:cNvPr>
@@ -2801,7 +2801,7 @@
           <p:cNvPr id="3" name="文本占位符 2">
             <a:extLst>
               <a:ext uri="{FF2B5EF4-FFF2-40B4-BE49-F238E27FC236}">
-                <a16:creationId xmlns:a16="http://schemas.microsoft.com/office/drawing/2014/main" id="{8CB7B301-B8BA-9F42-8C05-F71BFB38800E}"/>
+                <a16:creationId xmlns:a16="http://schemas.microsoft.com/office/drawing/2014/main" id="{1BAA96E0-0590-76BA-6110-F6E3650E9F8E}"/>
               </a:ext>
             </a:extLst>
           </p:cNvPr>
@@ -2868,7 +2868,7 @@
           <p:cNvPr id="4" name="日期占位符 3">
             <a:extLst>
               <a:ext uri="{FF2B5EF4-FFF2-40B4-BE49-F238E27FC236}">
-                <a16:creationId xmlns:a16="http://schemas.microsoft.com/office/drawing/2014/main" id="{53EAF402-E615-FF4E-0456-6FEC1B78199B}"/>
+                <a16:creationId xmlns:a16="http://schemas.microsoft.com/office/drawing/2014/main" id="{2E0FDFDD-C946-93E4-8A22-6FB4B041CD91}"/>
               </a:ext>
             </a:extLst>
           </p:cNvPr>
@@ -2902,7 +2902,7 @@
             </a:lvl1pPr>
           </a:lstStyle>
           <a:p>
-            <a:fld id="{F3B65784-5B8F-4EBF-967D-A5DE54C64165}" type="datetimeFigureOut">
+            <a:fld id="{9439CCCE-920A-4AC0-A30E-3AE46507E86D}" type="datetimeFigureOut">
               <a:rPr lang="zh-CN" altLang="en-US" smtClean="0"/>
               <a:t>2024/3/10</a:t>
             </a:fld>
@@ -2915,7 +2915,7 @@
           <p:cNvPr id="5" name="页脚占位符 4">
             <a:extLst>
               <a:ext uri="{FF2B5EF4-FFF2-40B4-BE49-F238E27FC236}">
-                <a16:creationId xmlns:a16="http://schemas.microsoft.com/office/drawing/2014/main" id="{272951BE-8F8D-D505-4B0B-27FB9ACAE8EC}"/>
+                <a16:creationId xmlns:a16="http://schemas.microsoft.com/office/drawing/2014/main" id="{D276170B-CB51-CB03-1127-39204AD24AED}"/>
               </a:ext>
             </a:extLst>
           </p:cNvPr>
@@ -2958,7 +2958,7 @@
           <p:cNvPr id="6" name="灯片编号占位符 5">
             <a:extLst>
               <a:ext uri="{FF2B5EF4-FFF2-40B4-BE49-F238E27FC236}">
-                <a16:creationId xmlns:a16="http://schemas.microsoft.com/office/drawing/2014/main" id="{D3988AA5-8103-0B0B-D4F4-2F3DA43BF7B1}"/>
+                <a16:creationId xmlns:a16="http://schemas.microsoft.com/office/drawing/2014/main" id="{F72440DC-6345-B2D9-ECD6-37D5108D4654}"/>
               </a:ext>
             </a:extLst>
           </p:cNvPr>
@@ -2992,7 +2992,7 @@
             </a:lvl1pPr>
           </a:lstStyle>
           <a:p>
-            <a:fld id="{D984EE0F-521D-47D2-A6CD-CEFF7344F114}" type="slidenum">
+            <a:fld id="{7D07B8DD-3D01-452E-9EC9-F03833B7DCE4}" type="slidenum">
               <a:rPr lang="zh-CN" altLang="en-US" smtClean="0"/>
               <a:t>‹#›</a:t>
             </a:fld>
@@ -3003,7 +3003,7 @@
     </p:spTree>
     <p:extLst>
       <p:ext uri="{BB962C8B-B14F-4D97-AF65-F5344CB8AC3E}">
-        <p14:creationId xmlns:p14="http://schemas.microsoft.com/office/powerpoint/2010/main" val="1111399977"/>
+        <p14:creationId xmlns:p14="http://schemas.microsoft.com/office/powerpoint/2010/main" val="2334402099"/>
       </p:ext>
     </p:extLst>
   </p:cSld>
